--- a/Docs/201803.pptx
+++ b/Docs/201803.pptx
@@ -329,7 +329,7 @@
             <a:fld id="{8E36636D-D922-432D-A958-524484B5923D}" type="datetimeFigureOut">
               <a:rPr lang="en-US" dirty="0"/>
               <a:pPr/>
-              <a:t>4/22/2018</a:t>
+              <a:t>4/23/2018</a:t>
             </a:fld>
             <a:endParaRPr lang="en-US" dirty="0"/>
           </a:p>
@@ -623,7 +623,7 @@
           <a:p>
             <a:fld id="{48A87A34-81AB-432B-8DAE-1953F412C126}" type="datetimeFigureOut">
               <a:rPr lang="en-US" dirty="0"/>
-              <a:t>4/22/2018</a:t>
+              <a:t>4/23/2018</a:t>
             </a:fld>
             <a:endParaRPr lang="en-US" dirty="0"/>
           </a:p>
@@ -810,7 +810,7 @@
           <a:p>
             <a:fld id="{48A87A34-81AB-432B-8DAE-1953F412C126}" type="datetimeFigureOut">
               <a:rPr lang="en-US" dirty="0"/>
-              <a:t>4/22/2018</a:t>
+              <a:t>4/23/2018</a:t>
             </a:fld>
             <a:endParaRPr lang="en-US" dirty="0"/>
           </a:p>
@@ -1066,7 +1066,7 @@
           <a:p>
             <a:fld id="{48A87A34-81AB-432B-8DAE-1953F412C126}" type="datetimeFigureOut">
               <a:rPr lang="en-US" dirty="0"/>
-              <a:t>4/22/2018</a:t>
+              <a:t>4/23/2018</a:t>
             </a:fld>
             <a:endParaRPr lang="en-US" dirty="0"/>
           </a:p>
@@ -1485,7 +1485,7 @@
           <a:p>
             <a:fld id="{48A87A34-81AB-432B-8DAE-1953F412C126}" type="datetimeFigureOut">
               <a:rPr lang="en-US" dirty="0"/>
-              <a:t>4/22/2018</a:t>
+              <a:t>4/23/2018</a:t>
             </a:fld>
             <a:endParaRPr lang="en-US" dirty="0"/>
           </a:p>
@@ -2017,7 +2017,7 @@
           <a:p>
             <a:fld id="{48A87A34-81AB-432B-8DAE-1953F412C126}" type="datetimeFigureOut">
               <a:rPr lang="en-US" dirty="0"/>
-              <a:t>4/22/2018</a:t>
+              <a:t>4/23/2018</a:t>
             </a:fld>
             <a:endParaRPr lang="en-US" dirty="0"/>
           </a:p>
@@ -2876,7 +2876,7 @@
           <a:p>
             <a:fld id="{48A87A34-81AB-432B-8DAE-1953F412C126}" type="datetimeFigureOut">
               <a:rPr lang="en-US" dirty="0"/>
-              <a:t>4/22/2018</a:t>
+              <a:t>4/23/2018</a:t>
             </a:fld>
             <a:endParaRPr lang="en-US" dirty="0"/>
           </a:p>
@@ -3042,7 +3042,7 @@
             <a:fld id="{8E36636D-D922-432D-A958-524484B5923D}" type="datetimeFigureOut">
               <a:rPr lang="en-US" dirty="0"/>
               <a:pPr/>
-              <a:t>4/22/2018</a:t>
+              <a:t>4/23/2018</a:t>
             </a:fld>
             <a:endParaRPr lang="en-US" dirty="0"/>
           </a:p>
@@ -3223,7 +3223,7 @@
             <a:fld id="{8E36636D-D922-432D-A958-524484B5923D}" type="datetimeFigureOut">
               <a:rPr lang="en-US" dirty="0"/>
               <a:pPr/>
-              <a:t>4/22/2018</a:t>
+              <a:t>4/23/2018</a:t>
             </a:fld>
             <a:endParaRPr lang="en-US" dirty="0"/>
           </a:p>
@@ -3390,7 +3390,7 @@
             <a:fld id="{8E36636D-D922-432D-A958-524484B5923D}" type="datetimeFigureOut">
               <a:rPr lang="en-US" dirty="0"/>
               <a:pPr/>
-              <a:t>4/22/2018</a:t>
+              <a:t>4/23/2018</a:t>
             </a:fld>
             <a:endParaRPr lang="en-US" dirty="0"/>
           </a:p>
@@ -3631,7 +3631,7 @@
             <a:fld id="{8E36636D-D922-432D-A958-524484B5923D}" type="datetimeFigureOut">
               <a:rPr lang="en-US" dirty="0"/>
               <a:pPr/>
-              <a:t>4/22/2018</a:t>
+              <a:t>4/23/2018</a:t>
             </a:fld>
             <a:endParaRPr lang="en-US" dirty="0"/>
           </a:p>
@@ -3864,7 +3864,7 @@
             <a:fld id="{8E36636D-D922-432D-A958-524484B5923D}" type="datetimeFigureOut">
               <a:rPr lang="en-US" dirty="0"/>
               <a:pPr/>
-              <a:t>4/22/2018</a:t>
+              <a:t>4/23/2018</a:t>
             </a:fld>
             <a:endParaRPr lang="en-US" dirty="0"/>
           </a:p>
@@ -4327,7 +4327,7 @@
             <a:fld id="{8E36636D-D922-432D-A958-524484B5923D}" type="datetimeFigureOut">
               <a:rPr lang="en-US" dirty="0"/>
               <a:pPr/>
-              <a:t>4/22/2018</a:t>
+              <a:t>4/23/2018</a:t>
             </a:fld>
             <a:endParaRPr lang="en-US" dirty="0"/>
           </a:p>
@@ -4442,7 +4442,7 @@
             <a:fld id="{8E36636D-D922-432D-A958-524484B5923D}" type="datetimeFigureOut">
               <a:rPr lang="en-US" dirty="0"/>
               <a:pPr/>
-              <a:t>4/22/2018</a:t>
+              <a:t>4/23/2018</a:t>
             </a:fld>
             <a:endParaRPr lang="en-US" dirty="0"/>
           </a:p>
@@ -4534,7 +4534,7 @@
             <a:fld id="{8E36636D-D922-432D-A958-524484B5923D}" type="datetimeFigureOut">
               <a:rPr lang="en-US" dirty="0"/>
               <a:pPr/>
-              <a:t>4/22/2018</a:t>
+              <a:t>4/23/2018</a:t>
             </a:fld>
             <a:endParaRPr lang="en-US" dirty="0"/>
           </a:p>
@@ -4786,7 +4786,7 @@
             <a:fld id="{8E36636D-D922-432D-A958-524484B5923D}" type="datetimeFigureOut">
               <a:rPr lang="en-US" dirty="0"/>
               <a:pPr/>
-              <a:t>4/22/2018</a:t>
+              <a:t>4/23/2018</a:t>
             </a:fld>
             <a:endParaRPr lang="en-US" dirty="0"/>
           </a:p>
@@ -5083,7 +5083,7 @@
             <a:fld id="{8E36636D-D922-432D-A958-524484B5923D}" type="datetimeFigureOut">
               <a:rPr lang="en-US" dirty="0"/>
               <a:pPr/>
-              <a:t>4/22/2018</a:t>
+              <a:t>4/23/2018</a:t>
             </a:fld>
             <a:endParaRPr lang="en-US" dirty="0"/>
           </a:p>
@@ -5314,7 +5314,7 @@
             <a:fld id="{8E36636D-D922-432D-A958-524484B5923D}" type="datetimeFigureOut">
               <a:rPr lang="en-US" dirty="0"/>
               <a:pPr/>
-              <a:t>4/22/2018</a:t>
+              <a:t>4/23/2018</a:t>
             </a:fld>
             <a:endParaRPr lang="en-US" dirty="0"/>
           </a:p>
@@ -6859,7 +6859,7 @@
         </p:nvSpPr>
         <p:spPr>
           <a:xfrm>
-            <a:off x="112129" y="196241"/>
+            <a:off x="112129" y="170841"/>
             <a:ext cx="10353762" cy="970450"/>
           </a:xfrm>
         </p:spPr>
@@ -6880,7 +6880,7 @@
             </a:r>
             <a:r>
               <a:rPr lang="en-US" altLang="zh-CN" dirty="0" err="1" smtClean="0"/>
-              <a:t>zl</a:t>
+              <a:t>zq</a:t>
             </a:r>
             <a:endParaRPr lang="en-US" dirty="0"/>
           </a:p>
@@ -7030,7 +7030,7 @@
           <a:graphicData uri="http://schemas.openxmlformats.org/presentationml/2006/ole">
             <mc:AlternateContent xmlns:mc="http://schemas.openxmlformats.org/markup-compatibility/2006">
               <mc:Choice xmlns:v="urn:schemas-microsoft-com:vml" Requires="v">
-                <p:oleObj spid="_x0000_s2051" name="Visio" r:id="rId4" imgW="5543658" imgH="6543714" progId="Visio.Drawing.11">
+                <p:oleObj spid="_x0000_s2053" name="Visio" r:id="rId4" imgW="5543658" imgH="6543714" progId="Visio.Drawing.11">
                   <p:embed/>
                 </p:oleObj>
               </mc:Choice>
@@ -7174,11 +7174,7 @@
             </a:pPr>
             <a:r>
               <a:rPr lang="zh-CN" altLang="en-US" sz="2000" dirty="0"/>
-              <a:t>优化</a:t>
-            </a:r>
-            <a:r>
-              <a:rPr lang="zh-CN" altLang="en-US" sz="2000" dirty="0"/>
-              <a:t>后算法与</a:t>
+              <a:t>优化后算法与</a:t>
             </a:r>
             <a:r>
               <a:rPr lang="en-US" altLang="zh-CN" sz="2000" dirty="0"/>
